--- a/doc/neural_network_for_multilayers04.pptx
+++ b/doc/neural_network_for_multilayers04.pptx
@@ -288,7 +288,7 @@
           <a:p>
             <a:fld id="{FB30EDBD-1C2D-4C1E-B459-B60219FAB484}" type="datetimeFigureOut">
               <a:rPr lang="ko-KR" altLang="en-US" smtClean="0"/>
-              <a:t>2019-12-01</a:t>
+              <a:t>2020-02-23</a:t>
             </a:fld>
             <a:endParaRPr lang="ko-KR" altLang="en-US" dirty="0"/>
           </a:p>
@@ -453,7 +453,7 @@
           <a:p>
             <a:fld id="{FB30EDBD-1C2D-4C1E-B459-B60219FAB484}" type="datetimeFigureOut">
               <a:rPr lang="ko-KR" altLang="en-US" smtClean="0"/>
-              <a:t>2019-12-01</a:t>
+              <a:t>2020-02-23</a:t>
             </a:fld>
             <a:endParaRPr lang="ko-KR" altLang="en-US" dirty="0"/>
           </a:p>
@@ -628,7 +628,7 @@
           <a:p>
             <a:fld id="{FB30EDBD-1C2D-4C1E-B459-B60219FAB484}" type="datetimeFigureOut">
               <a:rPr lang="ko-KR" altLang="en-US" smtClean="0"/>
-              <a:t>2019-12-01</a:t>
+              <a:t>2020-02-23</a:t>
             </a:fld>
             <a:endParaRPr lang="ko-KR" altLang="en-US" dirty="0"/>
           </a:p>
@@ -793,7 +793,7 @@
           <a:p>
             <a:fld id="{FB30EDBD-1C2D-4C1E-B459-B60219FAB484}" type="datetimeFigureOut">
               <a:rPr lang="ko-KR" altLang="en-US" smtClean="0"/>
-              <a:t>2019-12-01</a:t>
+              <a:t>2020-02-23</a:t>
             </a:fld>
             <a:endParaRPr lang="ko-KR" altLang="en-US" dirty="0"/>
           </a:p>
@@ -1034,7 +1034,7 @@
           <a:p>
             <a:fld id="{FB30EDBD-1C2D-4C1E-B459-B60219FAB484}" type="datetimeFigureOut">
               <a:rPr lang="ko-KR" altLang="en-US" smtClean="0"/>
-              <a:t>2019-12-01</a:t>
+              <a:t>2020-02-23</a:t>
             </a:fld>
             <a:endParaRPr lang="ko-KR" altLang="en-US" dirty="0"/>
           </a:p>
@@ -1317,7 +1317,7 @@
           <a:p>
             <a:fld id="{FB30EDBD-1C2D-4C1E-B459-B60219FAB484}" type="datetimeFigureOut">
               <a:rPr lang="ko-KR" altLang="en-US" smtClean="0"/>
-              <a:t>2019-12-01</a:t>
+              <a:t>2020-02-23</a:t>
             </a:fld>
             <a:endParaRPr lang="ko-KR" altLang="en-US" dirty="0"/>
           </a:p>
@@ -1734,7 +1734,7 @@
           <a:p>
             <a:fld id="{FB30EDBD-1C2D-4C1E-B459-B60219FAB484}" type="datetimeFigureOut">
               <a:rPr lang="ko-KR" altLang="en-US" smtClean="0"/>
-              <a:t>2019-12-01</a:t>
+              <a:t>2020-02-23</a:t>
             </a:fld>
             <a:endParaRPr lang="ko-KR" altLang="en-US" dirty="0"/>
           </a:p>
@@ -1847,7 +1847,7 @@
           <a:p>
             <a:fld id="{FB30EDBD-1C2D-4C1E-B459-B60219FAB484}" type="datetimeFigureOut">
               <a:rPr lang="ko-KR" altLang="en-US" smtClean="0"/>
-              <a:t>2019-12-01</a:t>
+              <a:t>2020-02-23</a:t>
             </a:fld>
             <a:endParaRPr lang="ko-KR" altLang="en-US" dirty="0"/>
           </a:p>
@@ -1937,7 +1937,7 @@
           <a:p>
             <a:fld id="{FB30EDBD-1C2D-4C1E-B459-B60219FAB484}" type="datetimeFigureOut">
               <a:rPr lang="ko-KR" altLang="en-US" smtClean="0"/>
-              <a:t>2019-12-01</a:t>
+              <a:t>2020-02-23</a:t>
             </a:fld>
             <a:endParaRPr lang="ko-KR" altLang="en-US" dirty="0"/>
           </a:p>
@@ -2209,7 +2209,7 @@
           <a:p>
             <a:fld id="{FB30EDBD-1C2D-4C1E-B459-B60219FAB484}" type="datetimeFigureOut">
               <a:rPr lang="ko-KR" altLang="en-US" smtClean="0"/>
-              <a:t>2019-12-01</a:t>
+              <a:t>2020-02-23</a:t>
             </a:fld>
             <a:endParaRPr lang="ko-KR" altLang="en-US" dirty="0"/>
           </a:p>
@@ -2457,7 +2457,7 @@
           <a:p>
             <a:fld id="{FB30EDBD-1C2D-4C1E-B459-B60219FAB484}" type="datetimeFigureOut">
               <a:rPr lang="ko-KR" altLang="en-US" smtClean="0"/>
-              <a:t>2019-12-01</a:t>
+              <a:t>2020-02-23</a:t>
             </a:fld>
             <a:endParaRPr lang="ko-KR" altLang="en-US" dirty="0"/>
           </a:p>
@@ -2665,7 +2665,7 @@
           <a:p>
             <a:fld id="{FB30EDBD-1C2D-4C1E-B459-B60219FAB484}" type="datetimeFigureOut">
               <a:rPr lang="ko-KR" altLang="en-US" smtClean="0"/>
-              <a:t>2019-12-01</a:t>
+              <a:t>2020-02-23</a:t>
             </a:fld>
             <a:endParaRPr lang="ko-KR" altLang="en-US" dirty="0"/>
           </a:p>
@@ -3043,8 +3043,8 @@
         </p:nvSpPr>
         <p:spPr>
           <a:xfrm>
-            <a:off x="3551165" y="156796"/>
-            <a:ext cx="2524858" cy="369332"/>
+            <a:off x="3551165" y="44624"/>
+            <a:ext cx="2733249" cy="369332"/>
           </a:xfrm>
           <a:prstGeom prst="rect">
             <a:avLst/>
@@ -3059,76 +3059,12 @@
           <a:p>
             <a:r>
               <a:rPr lang="en-US" altLang="ko-KR" dirty="0" smtClean="0"/>
-              <a:t>Backward Propagation</a:t>
+              <a:t>Backward Propagation 3</a:t>
             </a:r>
             <a:endParaRPr lang="ko-KR" altLang="en-US" dirty="0"/>
           </a:p>
         </p:txBody>
       </p:sp>
-      <p:pic>
-        <p:nvPicPr>
-          <p:cNvPr id="1026" name="Picture 2"/>
-          <p:cNvPicPr>
-            <a:picLocks noChangeAspect="1" noChangeArrowheads="1"/>
-          </p:cNvPicPr>
-          <p:nvPr/>
-        </p:nvPicPr>
-        <p:blipFill>
-          <a:blip r:embed="rId2">
-            <a:extLst>
-              <a:ext uri="{28A0092B-C50C-407E-A947-70E740481C1C}">
-                <a14:useLocalDpi xmlns:a14="http://schemas.microsoft.com/office/drawing/2010/main" val="0"/>
-              </a:ext>
-            </a:extLst>
-          </a:blip>
-          <a:srcRect/>
-          <a:stretch>
-            <a:fillRect/>
-          </a:stretch>
-        </p:blipFill>
-        <p:spPr bwMode="auto">
-          <a:xfrm>
-            <a:off x="144839" y="5733256"/>
-            <a:ext cx="8676334" cy="404103"/>
-          </a:xfrm>
-          <a:prstGeom prst="rect">
-            <a:avLst/>
-          </a:prstGeom>
-          <a:noFill/>
-          <a:ln>
-            <a:noFill/>
-          </a:ln>
-          <a:effectLst/>
-          <a:extLst>
-            <a:ext uri="{909E8E84-426E-40DD-AFC4-6F175D3DCCD1}">
-              <a14:hiddenFill xmlns:a14="http://schemas.microsoft.com/office/drawing/2010/main">
-                <a:solidFill>
-                  <a:schemeClr val="accent1"/>
-                </a:solidFill>
-              </a14:hiddenFill>
-            </a:ext>
-            <a:ext uri="{91240B29-F687-4F45-9708-019B960494DF}">
-              <a14:hiddenLine xmlns:a14="http://schemas.microsoft.com/office/drawing/2010/main" w="9525">
-                <a:solidFill>
-                  <a:schemeClr val="tx1"/>
-                </a:solidFill>
-                <a:miter lim="800000"/>
-                <a:headEnd/>
-                <a:tailEnd/>
-              </a14:hiddenLine>
-            </a:ext>
-            <a:ext uri="{AF507438-7753-43E0-B8FC-AC1667EBCBE1}">
-              <a14:hiddenEffects xmlns:a14="http://schemas.microsoft.com/office/drawing/2010/main">
-                <a:effectLst>
-                  <a:outerShdw dist="35921" dir="2700000" algn="ctr" rotWithShape="0">
-                    <a:schemeClr val="bg2"/>
-                  </a:outerShdw>
-                </a:effectLst>
-              </a14:hiddenEffects>
-            </a:ext>
-          </a:extLst>
-        </p:spPr>
-      </p:pic>
       <p:pic>
         <p:nvPicPr>
           <p:cNvPr id="2050" name="Picture 2"/>
@@ -3138,7 +3074,7 @@
           <p:nvPr/>
         </p:nvPicPr>
         <p:blipFill>
-          <a:blip r:embed="rId3">
+          <a:blip r:embed="rId2">
             <a:extLst>
               <a:ext uri="{28A0092B-C50C-407E-A947-70E740481C1C}">
                 <a14:useLocalDpi xmlns:a14="http://schemas.microsoft.com/office/drawing/2010/main" val="0"/>
@@ -3739,6 +3675,692 @@
           </a:p>
         </p:txBody>
       </p:sp>
+      <p:pic>
+        <p:nvPicPr>
+          <p:cNvPr id="1028" name="Picture 4"/>
+          <p:cNvPicPr>
+            <a:picLocks noChangeAspect="1" noChangeArrowheads="1"/>
+          </p:cNvPicPr>
+          <p:nvPr/>
+        </p:nvPicPr>
+        <p:blipFill>
+          <a:blip r:embed="rId3">
+            <a:extLst>
+              <a:ext uri="{28A0092B-C50C-407E-A947-70E740481C1C}">
+                <a14:useLocalDpi xmlns:a14="http://schemas.microsoft.com/office/drawing/2010/main" val="0"/>
+              </a:ext>
+            </a:extLst>
+          </a:blip>
+          <a:srcRect/>
+          <a:stretch>
+            <a:fillRect/>
+          </a:stretch>
+        </p:blipFill>
+        <p:spPr bwMode="auto">
+          <a:xfrm>
+            <a:off x="287962" y="5847392"/>
+            <a:ext cx="8640960" cy="450158"/>
+          </a:xfrm>
+          <a:prstGeom prst="rect">
+            <a:avLst/>
+          </a:prstGeom>
+          <a:noFill/>
+          <a:ln>
+            <a:noFill/>
+          </a:ln>
+          <a:effectLst/>
+          <a:extLst>
+            <a:ext uri="{909E8E84-426E-40DD-AFC4-6F175D3DCCD1}">
+              <a14:hiddenFill xmlns:a14="http://schemas.microsoft.com/office/drawing/2010/main">
+                <a:solidFill>
+                  <a:schemeClr val="accent1"/>
+                </a:solidFill>
+              </a14:hiddenFill>
+            </a:ext>
+            <a:ext uri="{91240B29-F687-4F45-9708-019B960494DF}">
+              <a14:hiddenLine xmlns:a14="http://schemas.microsoft.com/office/drawing/2010/main" w="9525">
+                <a:solidFill>
+                  <a:schemeClr val="tx1"/>
+                </a:solidFill>
+                <a:miter lim="800000"/>
+                <a:headEnd/>
+                <a:tailEnd/>
+              </a14:hiddenLine>
+            </a:ext>
+            <a:ext uri="{AF507438-7753-43E0-B8FC-AC1667EBCBE1}">
+              <a14:hiddenEffects xmlns:a14="http://schemas.microsoft.com/office/drawing/2010/main">
+                <a:effectLst>
+                  <a:outerShdw dist="35921" dir="2700000" algn="ctr" rotWithShape="0">
+                    <a:schemeClr val="bg2"/>
+                  </a:outerShdw>
+                </a:effectLst>
+              </a14:hiddenEffects>
+            </a:ext>
+          </a:extLst>
+        </p:spPr>
+      </p:pic>
+      <p:sp>
+        <p:nvSpPr>
+          <p:cNvPr id="2" name="타원 1"/>
+          <p:cNvSpPr/>
+          <p:nvPr/>
+        </p:nvSpPr>
+        <p:spPr>
+          <a:xfrm>
+            <a:off x="8676456" y="5733256"/>
+            <a:ext cx="45719" cy="45719"/>
+          </a:xfrm>
+          <a:prstGeom prst="ellipse">
+            <a:avLst/>
+          </a:prstGeom>
+          <a:solidFill>
+            <a:schemeClr val="accent2"/>
+          </a:solidFill>
+          <a:ln>
+            <a:solidFill>
+              <a:srgbClr val="FF0000"/>
+            </a:solidFill>
+          </a:ln>
+        </p:spPr>
+        <p:style>
+          <a:lnRef idx="2">
+            <a:schemeClr val="accent1">
+              <a:shade val="50000"/>
+            </a:schemeClr>
+          </a:lnRef>
+          <a:fillRef idx="1">
+            <a:schemeClr val="accent1"/>
+          </a:fillRef>
+          <a:effectRef idx="0">
+            <a:schemeClr val="accent1"/>
+          </a:effectRef>
+          <a:fontRef idx="minor">
+            <a:schemeClr val="lt1"/>
+          </a:fontRef>
+        </p:style>
+        <p:txBody>
+          <a:bodyPr rtlCol="0" anchor="ctr"/>
+          <a:lstStyle/>
+          <a:p>
+            <a:pPr algn="ctr"/>
+            <a:endParaRPr lang="ko-KR" altLang="en-US"/>
+          </a:p>
+        </p:txBody>
+      </p:sp>
+      <p:sp>
+        <p:nvSpPr>
+          <p:cNvPr id="22" name="타원 21"/>
+          <p:cNvSpPr/>
+          <p:nvPr/>
+        </p:nvSpPr>
+        <p:spPr>
+          <a:xfrm>
+            <a:off x="8316416" y="5733255"/>
+            <a:ext cx="45719" cy="45719"/>
+          </a:xfrm>
+          <a:prstGeom prst="ellipse">
+            <a:avLst/>
+          </a:prstGeom>
+          <a:solidFill>
+            <a:schemeClr val="accent2"/>
+          </a:solidFill>
+          <a:ln>
+            <a:solidFill>
+              <a:srgbClr val="FF0000"/>
+            </a:solidFill>
+          </a:ln>
+        </p:spPr>
+        <p:style>
+          <a:lnRef idx="2">
+            <a:schemeClr val="accent1">
+              <a:shade val="50000"/>
+            </a:schemeClr>
+          </a:lnRef>
+          <a:fillRef idx="1">
+            <a:schemeClr val="accent1"/>
+          </a:fillRef>
+          <a:effectRef idx="0">
+            <a:schemeClr val="accent1"/>
+          </a:effectRef>
+          <a:fontRef idx="minor">
+            <a:schemeClr val="lt1"/>
+          </a:fontRef>
+        </p:style>
+        <p:txBody>
+          <a:bodyPr rtlCol="0" anchor="ctr"/>
+          <a:lstStyle/>
+          <a:p>
+            <a:pPr algn="ctr"/>
+            <a:endParaRPr lang="ko-KR" altLang="en-US"/>
+          </a:p>
+        </p:txBody>
+      </p:sp>
+      <p:sp>
+        <p:nvSpPr>
+          <p:cNvPr id="23" name="타원 22"/>
+          <p:cNvSpPr/>
+          <p:nvPr/>
+        </p:nvSpPr>
+        <p:spPr>
+          <a:xfrm>
+            <a:off x="7932388" y="5733254"/>
+            <a:ext cx="45719" cy="45719"/>
+          </a:xfrm>
+          <a:prstGeom prst="ellipse">
+            <a:avLst/>
+          </a:prstGeom>
+          <a:solidFill>
+            <a:schemeClr val="accent2"/>
+          </a:solidFill>
+          <a:ln>
+            <a:solidFill>
+              <a:srgbClr val="FF0000"/>
+            </a:solidFill>
+          </a:ln>
+        </p:spPr>
+        <p:style>
+          <a:lnRef idx="2">
+            <a:schemeClr val="accent1">
+              <a:shade val="50000"/>
+            </a:schemeClr>
+          </a:lnRef>
+          <a:fillRef idx="1">
+            <a:schemeClr val="accent1"/>
+          </a:fillRef>
+          <a:effectRef idx="0">
+            <a:schemeClr val="accent1"/>
+          </a:effectRef>
+          <a:fontRef idx="minor">
+            <a:schemeClr val="lt1"/>
+          </a:fontRef>
+        </p:style>
+        <p:txBody>
+          <a:bodyPr rtlCol="0" anchor="ctr"/>
+          <a:lstStyle/>
+          <a:p>
+            <a:pPr algn="ctr"/>
+            <a:endParaRPr lang="ko-KR" altLang="en-US"/>
+          </a:p>
+        </p:txBody>
+      </p:sp>
+      <p:sp>
+        <p:nvSpPr>
+          <p:cNvPr id="24" name="타원 23"/>
+          <p:cNvSpPr/>
+          <p:nvPr/>
+        </p:nvSpPr>
+        <p:spPr>
+          <a:xfrm>
+            <a:off x="7596336" y="5734683"/>
+            <a:ext cx="45719" cy="45719"/>
+          </a:xfrm>
+          <a:prstGeom prst="ellipse">
+            <a:avLst/>
+          </a:prstGeom>
+          <a:solidFill>
+            <a:schemeClr val="accent2"/>
+          </a:solidFill>
+          <a:ln>
+            <a:solidFill>
+              <a:srgbClr val="FF0000"/>
+            </a:solidFill>
+          </a:ln>
+        </p:spPr>
+        <p:style>
+          <a:lnRef idx="2">
+            <a:schemeClr val="accent1">
+              <a:shade val="50000"/>
+            </a:schemeClr>
+          </a:lnRef>
+          <a:fillRef idx="1">
+            <a:schemeClr val="accent1"/>
+          </a:fillRef>
+          <a:effectRef idx="0">
+            <a:schemeClr val="accent1"/>
+          </a:effectRef>
+          <a:fontRef idx="minor">
+            <a:schemeClr val="lt1"/>
+          </a:fontRef>
+        </p:style>
+        <p:txBody>
+          <a:bodyPr rtlCol="0" anchor="ctr"/>
+          <a:lstStyle/>
+          <a:p>
+            <a:pPr algn="ctr"/>
+            <a:endParaRPr lang="ko-KR" altLang="en-US"/>
+          </a:p>
+        </p:txBody>
+      </p:sp>
+      <p:sp>
+        <p:nvSpPr>
+          <p:cNvPr id="25" name="타원 24"/>
+          <p:cNvSpPr/>
+          <p:nvPr/>
+        </p:nvSpPr>
+        <p:spPr>
+          <a:xfrm>
+            <a:off x="7236296" y="5739285"/>
+            <a:ext cx="45719" cy="45719"/>
+          </a:xfrm>
+          <a:prstGeom prst="ellipse">
+            <a:avLst/>
+          </a:prstGeom>
+          <a:solidFill>
+            <a:schemeClr val="accent2"/>
+          </a:solidFill>
+          <a:ln>
+            <a:solidFill>
+              <a:srgbClr val="FF0000"/>
+            </a:solidFill>
+          </a:ln>
+        </p:spPr>
+        <p:style>
+          <a:lnRef idx="2">
+            <a:schemeClr val="accent1">
+              <a:shade val="50000"/>
+            </a:schemeClr>
+          </a:lnRef>
+          <a:fillRef idx="1">
+            <a:schemeClr val="accent1"/>
+          </a:fillRef>
+          <a:effectRef idx="0">
+            <a:schemeClr val="accent1"/>
+          </a:effectRef>
+          <a:fontRef idx="minor">
+            <a:schemeClr val="lt1"/>
+          </a:fontRef>
+        </p:style>
+        <p:txBody>
+          <a:bodyPr rtlCol="0" anchor="ctr"/>
+          <a:lstStyle/>
+          <a:p>
+            <a:pPr algn="ctr"/>
+            <a:endParaRPr lang="ko-KR" altLang="en-US"/>
+          </a:p>
+        </p:txBody>
+      </p:sp>
+      <p:sp>
+        <p:nvSpPr>
+          <p:cNvPr id="26" name="타원 25"/>
+          <p:cNvSpPr/>
+          <p:nvPr/>
+        </p:nvSpPr>
+        <p:spPr>
+          <a:xfrm>
+            <a:off x="6948264" y="5739285"/>
+            <a:ext cx="45719" cy="45719"/>
+          </a:xfrm>
+          <a:prstGeom prst="ellipse">
+            <a:avLst/>
+          </a:prstGeom>
+          <a:solidFill>
+            <a:schemeClr val="accent2"/>
+          </a:solidFill>
+          <a:ln>
+            <a:solidFill>
+              <a:srgbClr val="FF0000"/>
+            </a:solidFill>
+          </a:ln>
+        </p:spPr>
+        <p:style>
+          <a:lnRef idx="2">
+            <a:schemeClr val="accent1">
+              <a:shade val="50000"/>
+            </a:schemeClr>
+          </a:lnRef>
+          <a:fillRef idx="1">
+            <a:schemeClr val="accent1"/>
+          </a:fillRef>
+          <a:effectRef idx="0">
+            <a:schemeClr val="accent1"/>
+          </a:effectRef>
+          <a:fontRef idx="minor">
+            <a:schemeClr val="lt1"/>
+          </a:fontRef>
+        </p:style>
+        <p:txBody>
+          <a:bodyPr rtlCol="0" anchor="ctr"/>
+          <a:lstStyle/>
+          <a:p>
+            <a:pPr algn="ctr"/>
+            <a:endParaRPr lang="ko-KR" altLang="en-US"/>
+          </a:p>
+        </p:txBody>
+      </p:sp>
+      <p:sp>
+        <p:nvSpPr>
+          <p:cNvPr id="27" name="타원 26"/>
+          <p:cNvSpPr/>
+          <p:nvPr/>
+        </p:nvSpPr>
+        <p:spPr>
+          <a:xfrm>
+            <a:off x="6516216" y="5743887"/>
+            <a:ext cx="45719" cy="45719"/>
+          </a:xfrm>
+          <a:prstGeom prst="ellipse">
+            <a:avLst/>
+          </a:prstGeom>
+          <a:solidFill>
+            <a:schemeClr val="accent2"/>
+          </a:solidFill>
+          <a:ln>
+            <a:solidFill>
+              <a:srgbClr val="FF0000"/>
+            </a:solidFill>
+          </a:ln>
+        </p:spPr>
+        <p:style>
+          <a:lnRef idx="2">
+            <a:schemeClr val="accent1">
+              <a:shade val="50000"/>
+            </a:schemeClr>
+          </a:lnRef>
+          <a:fillRef idx="1">
+            <a:schemeClr val="accent1"/>
+          </a:fillRef>
+          <a:effectRef idx="0">
+            <a:schemeClr val="accent1"/>
+          </a:effectRef>
+          <a:fontRef idx="minor">
+            <a:schemeClr val="lt1"/>
+          </a:fontRef>
+        </p:style>
+        <p:txBody>
+          <a:bodyPr rtlCol="0" anchor="ctr"/>
+          <a:lstStyle/>
+          <a:p>
+            <a:pPr algn="ctr"/>
+            <a:endParaRPr lang="ko-KR" altLang="en-US"/>
+          </a:p>
+        </p:txBody>
+      </p:sp>
+      <p:cxnSp>
+        <p:nvCxnSpPr>
+          <p:cNvPr id="4" name="꺾인 연결선 3"/>
+          <p:cNvCxnSpPr>
+            <a:stCxn id="294" idx="2"/>
+            <a:endCxn id="2" idx="0"/>
+          </p:cNvCxnSpPr>
+          <p:nvPr/>
+        </p:nvCxnSpPr>
+        <p:spPr>
+          <a:xfrm rot="16200000" flipH="1">
+            <a:off x="3073255" y="107195"/>
+            <a:ext cx="3931044" cy="7321077"/>
+          </a:xfrm>
+          <a:prstGeom prst="bentConnector3">
+            <a:avLst>
+              <a:gd name="adj1" fmla="val 80756"/>
+            </a:avLst>
+          </a:prstGeom>
+          <a:ln>
+            <a:solidFill>
+              <a:srgbClr val="FF0000"/>
+            </a:solidFill>
+            <a:tailEnd type="arrow"/>
+          </a:ln>
+        </p:spPr>
+        <p:style>
+          <a:lnRef idx="1">
+            <a:schemeClr val="accent1"/>
+          </a:lnRef>
+          <a:fillRef idx="0">
+            <a:schemeClr val="accent1"/>
+          </a:fillRef>
+          <a:effectRef idx="0">
+            <a:schemeClr val="accent1"/>
+          </a:effectRef>
+          <a:fontRef idx="minor">
+            <a:schemeClr val="tx1"/>
+          </a:fontRef>
+        </p:style>
+      </p:cxnSp>
+      <p:cxnSp>
+        <p:nvCxnSpPr>
+          <p:cNvPr id="32" name="꺾인 연결선 31"/>
+          <p:cNvCxnSpPr>
+            <a:stCxn id="295" idx="2"/>
+            <a:endCxn id="22" idx="1"/>
+          </p:cNvCxnSpPr>
+          <p:nvPr/>
+        </p:nvCxnSpPr>
+        <p:spPr>
+          <a:xfrm rot="16200000" flipH="1">
+            <a:off x="3182317" y="599156"/>
+            <a:ext cx="3841710" cy="6439878"/>
+          </a:xfrm>
+          <a:prstGeom prst="bentConnector3">
+            <a:avLst>
+              <a:gd name="adj1" fmla="val 81735"/>
+            </a:avLst>
+          </a:prstGeom>
+          <a:ln>
+            <a:solidFill>
+              <a:srgbClr val="FF0000"/>
+            </a:solidFill>
+            <a:tailEnd type="arrow"/>
+          </a:ln>
+        </p:spPr>
+        <p:style>
+          <a:lnRef idx="1">
+            <a:schemeClr val="accent1"/>
+          </a:lnRef>
+          <a:fillRef idx="0">
+            <a:schemeClr val="accent1"/>
+          </a:fillRef>
+          <a:effectRef idx="0">
+            <a:schemeClr val="accent1"/>
+          </a:effectRef>
+          <a:fontRef idx="minor">
+            <a:schemeClr val="tx1"/>
+          </a:fontRef>
+        </p:style>
+      </p:cxnSp>
+      <p:cxnSp>
+        <p:nvCxnSpPr>
+          <p:cNvPr id="36" name="꺾인 연결선 35"/>
+          <p:cNvCxnSpPr>
+            <a:stCxn id="286" idx="2"/>
+            <a:endCxn id="23" idx="1"/>
+          </p:cNvCxnSpPr>
+          <p:nvPr/>
+        </p:nvCxnSpPr>
+        <p:spPr>
+          <a:xfrm rot="16200000" flipH="1">
+            <a:off x="3417594" y="1218460"/>
+            <a:ext cx="3859364" cy="5183613"/>
+          </a:xfrm>
+          <a:prstGeom prst="bentConnector3">
+            <a:avLst>
+              <a:gd name="adj1" fmla="val 84091"/>
+            </a:avLst>
+          </a:prstGeom>
+          <a:ln>
+            <a:solidFill>
+              <a:srgbClr val="FF0000"/>
+            </a:solidFill>
+            <a:tailEnd type="arrow"/>
+          </a:ln>
+        </p:spPr>
+        <p:style>
+          <a:lnRef idx="1">
+            <a:schemeClr val="accent1"/>
+          </a:lnRef>
+          <a:fillRef idx="0">
+            <a:schemeClr val="accent1"/>
+          </a:fillRef>
+          <a:effectRef idx="0">
+            <a:schemeClr val="accent1"/>
+          </a:effectRef>
+          <a:fontRef idx="minor">
+            <a:schemeClr val="tx1"/>
+          </a:fontRef>
+        </p:style>
+      </p:cxnSp>
+      <p:cxnSp>
+        <p:nvCxnSpPr>
+          <p:cNvPr id="40" name="꺾인 연결선 39"/>
+          <p:cNvCxnSpPr>
+            <a:stCxn id="285" idx="2"/>
+            <a:endCxn id="24" idx="0"/>
+          </p:cNvCxnSpPr>
+          <p:nvPr/>
+        </p:nvCxnSpPr>
+        <p:spPr>
+          <a:xfrm rot="16200000" flipH="1">
+            <a:off x="3669932" y="1785418"/>
+            <a:ext cx="3821885" cy="4076643"/>
+          </a:xfrm>
+          <a:prstGeom prst="bentConnector3">
+            <a:avLst>
+              <a:gd name="adj1" fmla="val 86287"/>
+            </a:avLst>
+          </a:prstGeom>
+          <a:ln>
+            <a:solidFill>
+              <a:srgbClr val="FF0000"/>
+            </a:solidFill>
+            <a:tailEnd type="arrow"/>
+          </a:ln>
+        </p:spPr>
+        <p:style>
+          <a:lnRef idx="1">
+            <a:schemeClr val="accent1"/>
+          </a:lnRef>
+          <a:fillRef idx="0">
+            <a:schemeClr val="accent1"/>
+          </a:fillRef>
+          <a:effectRef idx="0">
+            <a:schemeClr val="accent1"/>
+          </a:effectRef>
+          <a:fontRef idx="minor">
+            <a:schemeClr val="tx1"/>
+          </a:fontRef>
+        </p:style>
+      </p:cxnSp>
+      <p:cxnSp>
+        <p:nvCxnSpPr>
+          <p:cNvPr id="44" name="꺾인 연결선 43"/>
+          <p:cNvCxnSpPr>
+            <a:stCxn id="264" idx="2"/>
+            <a:endCxn id="25" idx="0"/>
+          </p:cNvCxnSpPr>
+          <p:nvPr/>
+        </p:nvCxnSpPr>
+        <p:spPr>
+          <a:xfrm rot="16200000" flipH="1">
+            <a:off x="4005182" y="2485311"/>
+            <a:ext cx="3857234" cy="2650713"/>
+          </a:xfrm>
+          <a:prstGeom prst="bentConnector3">
+            <a:avLst>
+              <a:gd name="adj1" fmla="val 88589"/>
+            </a:avLst>
+          </a:prstGeom>
+          <a:ln>
+            <a:solidFill>
+              <a:srgbClr val="FF0000"/>
+            </a:solidFill>
+            <a:tailEnd type="arrow"/>
+          </a:ln>
+        </p:spPr>
+        <p:style>
+          <a:lnRef idx="1">
+            <a:schemeClr val="accent1"/>
+          </a:lnRef>
+          <a:fillRef idx="0">
+            <a:schemeClr val="accent1"/>
+          </a:fillRef>
+          <a:effectRef idx="0">
+            <a:schemeClr val="accent1"/>
+          </a:effectRef>
+          <a:fontRef idx="minor">
+            <a:schemeClr val="tx1"/>
+          </a:fontRef>
+        </p:style>
+      </p:cxnSp>
+      <p:cxnSp>
+        <p:nvCxnSpPr>
+          <p:cNvPr id="48" name="꺾인 연결선 47"/>
+          <p:cNvCxnSpPr>
+            <a:endCxn id="26" idx="0"/>
+          </p:cNvCxnSpPr>
+          <p:nvPr/>
+        </p:nvCxnSpPr>
+        <p:spPr>
+          <a:xfrm rot="16200000" flipH="1">
+            <a:off x="4346945" y="3115106"/>
+            <a:ext cx="3713330" cy="1535028"/>
+          </a:xfrm>
+          <a:prstGeom prst="bentConnector3">
+            <a:avLst>
+              <a:gd name="adj1" fmla="val 89947"/>
+            </a:avLst>
+          </a:prstGeom>
+          <a:ln>
+            <a:solidFill>
+              <a:srgbClr val="FF0000"/>
+            </a:solidFill>
+            <a:tailEnd type="arrow"/>
+          </a:ln>
+        </p:spPr>
+        <p:style>
+          <a:lnRef idx="1">
+            <a:schemeClr val="accent1"/>
+          </a:lnRef>
+          <a:fillRef idx="0">
+            <a:schemeClr val="accent1"/>
+          </a:fillRef>
+          <a:effectRef idx="0">
+            <a:schemeClr val="accent1"/>
+          </a:effectRef>
+          <a:fontRef idx="minor">
+            <a:schemeClr val="tx1"/>
+          </a:fontRef>
+        </p:style>
+      </p:cxnSp>
+      <p:cxnSp>
+        <p:nvCxnSpPr>
+          <p:cNvPr id="58" name="꺾인 연결선 57"/>
+          <p:cNvCxnSpPr>
+            <a:stCxn id="263" idx="2"/>
+            <a:endCxn id="27" idx="0"/>
+          </p:cNvCxnSpPr>
+          <p:nvPr/>
+        </p:nvCxnSpPr>
+        <p:spPr>
+          <a:xfrm rot="5400000">
+            <a:off x="6188512" y="4928039"/>
+            <a:ext cx="1166412" cy="465284"/>
+          </a:xfrm>
+          <a:prstGeom prst="bentConnector3">
+            <a:avLst>
+              <a:gd name="adj1" fmla="val 75260"/>
+            </a:avLst>
+          </a:prstGeom>
+          <a:ln>
+            <a:solidFill>
+              <a:srgbClr val="FF0000"/>
+            </a:solidFill>
+            <a:tailEnd type="arrow"/>
+          </a:ln>
+        </p:spPr>
+        <p:style>
+          <a:lnRef idx="1">
+            <a:schemeClr val="accent1"/>
+          </a:lnRef>
+          <a:fillRef idx="0">
+            <a:schemeClr val="accent1"/>
+          </a:fillRef>
+          <a:effectRef idx="0">
+            <a:schemeClr val="accent1"/>
+          </a:effectRef>
+          <a:fontRef idx="minor">
+            <a:schemeClr val="tx1"/>
+          </a:fontRef>
+        </p:style>
+      </p:cxnSp>
     </p:spTree>
     <p:extLst>
       <p:ext uri="{BB962C8B-B14F-4D97-AF65-F5344CB8AC3E}">
